--- a/PPT/2. Seguimiento de personas real.pptx
+++ b/PPT/2. Seguimiento de personas real.pptx
@@ -278,7 +278,7 @@
               <a:rPr lang="en-US" smtClean="0">
                 <a:latin typeface="Segoe UI" pitchFamily="34" charset="0"/>
               </a:rPr>
-              <a:t>1/10/2021 2:57 PM</a:t>
+              <a:t>1/11/2021 10:11 AM</a:t>
             </a:fld>
             <a:endParaRPr lang="en-US">
               <a:latin typeface="Segoe UI" pitchFamily="34" charset="0"/>
@@ -556,7 +556,7 @@
           <a:p>
             <a:fld id="{386CE63F-9E7F-4C04-9D0D-FCA25A8E9E86}" type="datetime8">
               <a:rPr lang="en-US" smtClean="0"/>
-              <a:t>1/10/2021 2:56 PM</a:t>
+              <a:t>1/11/2021 10:11 AM</a:t>
             </a:fld>
             <a:endParaRPr lang="en-US"/>
           </a:p>
@@ -1420,66 +1420,6 @@
           </a:p>
         </p:txBody>
       </p:sp>
-      <p:pic>
-        <p:nvPicPr>
-          <p:cNvPr id="5" name="Imagen 4">
-            <a:extLst>
-              <a:ext uri="{FF2B5EF4-FFF2-40B4-BE49-F238E27FC236}">
-                <a16:creationId xmlns:a16="http://schemas.microsoft.com/office/drawing/2014/main" id="{E7846672-14B7-4DA0-BE43-CF16928D38A3}"/>
-              </a:ext>
-            </a:extLst>
-          </p:cNvPr>
-          <p:cNvPicPr>
-            <a:picLocks noChangeAspect="1"/>
-          </p:cNvPicPr>
-          <p:nvPr userDrawn="1"/>
-        </p:nvPicPr>
-        <p:blipFill>
-          <a:blip r:embed="rId2"/>
-          <a:stretch>
-            <a:fillRect/>
-          </a:stretch>
-        </p:blipFill>
-        <p:spPr>
-          <a:xfrm>
-            <a:off x="6038054" y="5126102"/>
-            <a:ext cx="2243624" cy="690346"/>
-          </a:xfrm>
-          <a:prstGeom prst="rect">
-            <a:avLst/>
-          </a:prstGeom>
-        </p:spPr>
-      </p:pic>
-      <p:pic>
-        <p:nvPicPr>
-          <p:cNvPr id="23" name="Imagen 22">
-            <a:extLst>
-              <a:ext uri="{FF2B5EF4-FFF2-40B4-BE49-F238E27FC236}">
-                <a16:creationId xmlns:a16="http://schemas.microsoft.com/office/drawing/2014/main" id="{62792325-A6A2-4C4C-A58F-0C4A98B04D25}"/>
-              </a:ext>
-            </a:extLst>
-          </p:cNvPr>
-          <p:cNvPicPr>
-            <a:picLocks noChangeAspect="1"/>
-          </p:cNvPicPr>
-          <p:nvPr userDrawn="1"/>
-        </p:nvPicPr>
-        <p:blipFill>
-          <a:blip r:embed="rId3"/>
-          <a:stretch>
-            <a:fillRect/>
-          </a:stretch>
-        </p:blipFill>
-        <p:spPr>
-          <a:xfrm>
-            <a:off x="8539558" y="5733198"/>
-            <a:ext cx="1582743" cy="586201"/>
-          </a:xfrm>
-          <a:prstGeom prst="rect">
-            <a:avLst/>
-          </a:prstGeom>
-        </p:spPr>
-      </p:pic>
       <p:graphicFrame>
         <p:nvGraphicFramePr>
           <p:cNvPr id="28" name="Objeto 27">
@@ -1508,12 +1448,12 @@
           <a:graphicData uri="http://schemas.openxmlformats.org/presentationml/2006/ole">
             <mc:AlternateContent xmlns:mc="http://schemas.openxmlformats.org/markup-compatibility/2006">
               <mc:Choice xmlns:v="urn:schemas-microsoft-com:vml" Requires="v">
-                <p:oleObj name="CorelDRAW" r:id="rId4" imgW="10437565" imgH="1396161" progId="CorelDraw.Graphic.21">
+                <p:oleObj name="CorelDRAW" r:id="rId2" imgW="10437565" imgH="1396161" progId="CorelDraw.Graphic.21">
                   <p:embed/>
                 </p:oleObj>
               </mc:Choice>
               <mc:Fallback>
-                <p:oleObj name="CorelDRAW" r:id="rId4" imgW="10437565" imgH="1396161" progId="CorelDraw.Graphic.21">
+                <p:oleObj name="CorelDRAW" r:id="rId2" imgW="10437565" imgH="1396161" progId="CorelDraw.Graphic.21">
                   <p:embed/>
                   <p:pic>
                     <p:nvPicPr>
@@ -1528,7 +1468,7 @@
                       <p:nvPr/>
                     </p:nvPicPr>
                     <p:blipFill>
-                      <a:blip r:embed="rId5"/>
+                      <a:blip r:embed="rId3"/>
                       <a:stretch>
                         <a:fillRect/>
                       </a:stretch>
@@ -1549,126 +1489,6 @@
           </a:graphicData>
         </a:graphic>
       </p:graphicFrame>
-      <p:pic>
-        <p:nvPicPr>
-          <p:cNvPr id="22" name="Imagen 21">
-            <a:extLst>
-              <a:ext uri="{FF2B5EF4-FFF2-40B4-BE49-F238E27FC236}">
-                <a16:creationId xmlns:a16="http://schemas.microsoft.com/office/drawing/2014/main" id="{EB90AF3C-936D-4D44-BFFA-A635C3D9EC15}"/>
-              </a:ext>
-            </a:extLst>
-          </p:cNvPr>
-          <p:cNvPicPr>
-            <a:picLocks noChangeAspect="1"/>
-          </p:cNvPicPr>
-          <p:nvPr userDrawn="1"/>
-        </p:nvPicPr>
-        <p:blipFill>
-          <a:blip r:embed="rId6"/>
-          <a:stretch>
-            <a:fillRect/>
-          </a:stretch>
-        </p:blipFill>
-        <p:spPr>
-          <a:xfrm>
-            <a:off x="1494915" y="5537785"/>
-            <a:ext cx="2015855" cy="620263"/>
-          </a:xfrm>
-          <a:prstGeom prst="rect">
-            <a:avLst/>
-          </a:prstGeom>
-        </p:spPr>
-      </p:pic>
-      <p:pic>
-        <p:nvPicPr>
-          <p:cNvPr id="24" name="Imagen 23">
-            <a:extLst>
-              <a:ext uri="{FF2B5EF4-FFF2-40B4-BE49-F238E27FC236}">
-                <a16:creationId xmlns:a16="http://schemas.microsoft.com/office/drawing/2014/main" id="{9A581694-116D-4273-8957-E6C28A72B8B6}"/>
-              </a:ext>
-            </a:extLst>
-          </p:cNvPr>
-          <p:cNvPicPr>
-            <a:picLocks noChangeAspect="1"/>
-          </p:cNvPicPr>
-          <p:nvPr userDrawn="1"/>
-        </p:nvPicPr>
-        <p:blipFill>
-          <a:blip r:embed="rId7"/>
-          <a:stretch>
-            <a:fillRect/>
-          </a:stretch>
-        </p:blipFill>
-        <p:spPr>
-          <a:xfrm>
-            <a:off x="3816249" y="5203641"/>
-            <a:ext cx="2144054" cy="560669"/>
-          </a:xfrm>
-          <a:prstGeom prst="rect">
-            <a:avLst/>
-          </a:prstGeom>
-        </p:spPr>
-      </p:pic>
-      <p:pic>
-        <p:nvPicPr>
-          <p:cNvPr id="26" name="Imagen 25">
-            <a:extLst>
-              <a:ext uri="{FF2B5EF4-FFF2-40B4-BE49-F238E27FC236}">
-                <a16:creationId xmlns:a16="http://schemas.microsoft.com/office/drawing/2014/main" id="{5E015451-231A-4C28-BCF7-34141037A2EC}"/>
-              </a:ext>
-            </a:extLst>
-          </p:cNvPr>
-          <p:cNvPicPr>
-            <a:picLocks noChangeAspect="1"/>
-          </p:cNvPicPr>
-          <p:nvPr userDrawn="1"/>
-        </p:nvPicPr>
-        <p:blipFill>
-          <a:blip r:embed="rId8"/>
-          <a:stretch>
-            <a:fillRect/>
-          </a:stretch>
-        </p:blipFill>
-        <p:spPr>
-          <a:xfrm>
-            <a:off x="3860320" y="5847917"/>
-            <a:ext cx="1905154" cy="586201"/>
-          </a:xfrm>
-          <a:prstGeom prst="rect">
-            <a:avLst/>
-          </a:prstGeom>
-        </p:spPr>
-      </p:pic>
-      <p:pic>
-        <p:nvPicPr>
-          <p:cNvPr id="33" name="Imagen 32">
-            <a:extLst>
-              <a:ext uri="{FF2B5EF4-FFF2-40B4-BE49-F238E27FC236}">
-                <a16:creationId xmlns:a16="http://schemas.microsoft.com/office/drawing/2014/main" id="{13444165-BAE5-4873-BF7F-7492191AA9F3}"/>
-              </a:ext>
-            </a:extLst>
-          </p:cNvPr>
-          <p:cNvPicPr>
-            <a:picLocks noChangeAspect="1"/>
-          </p:cNvPicPr>
-          <p:nvPr userDrawn="1"/>
-        </p:nvPicPr>
-        <p:blipFill>
-          <a:blip r:embed="rId9"/>
-          <a:stretch>
-            <a:fillRect/>
-          </a:stretch>
-        </p:blipFill>
-        <p:spPr>
-          <a:xfrm>
-            <a:off x="6259691" y="5936432"/>
-            <a:ext cx="1800350" cy="409170"/>
-          </a:xfrm>
-          <a:prstGeom prst="rect">
-            <a:avLst/>
-          </a:prstGeom>
-        </p:spPr>
-      </p:pic>
       <p:sp>
         <p:nvSpPr>
           <p:cNvPr id="47" name="Title 1">
@@ -1947,12 +1767,12 @@
           <a:graphicData uri="http://schemas.openxmlformats.org/presentationml/2006/ole">
             <mc:AlternateContent xmlns:mc="http://schemas.openxmlformats.org/markup-compatibility/2006">
               <mc:Choice xmlns:v="urn:schemas-microsoft-com:vml" Requires="v">
-                <p:oleObj name="CorelDRAW" r:id="rId10" imgW="1486020" imgH="1396161" progId="CorelDraw.Graphic.21">
+                <p:oleObj name="CorelDRAW" r:id="rId4" imgW="1486020" imgH="1396161" progId="CorelDraw.Graphic.21">
                   <p:embed/>
                 </p:oleObj>
               </mc:Choice>
               <mc:Fallback>
-                <p:oleObj name="CorelDRAW" r:id="rId10" imgW="1486020" imgH="1396161" progId="CorelDraw.Graphic.21">
+                <p:oleObj name="CorelDRAW" r:id="rId4" imgW="1486020" imgH="1396161" progId="CorelDraw.Graphic.21">
                   <p:embed/>
                   <p:pic>
                     <p:nvPicPr>
@@ -1967,7 +1787,7 @@
                       <p:nvPr/>
                     </p:nvPicPr>
                     <p:blipFill>
-                      <a:blip r:embed="rId11"/>
+                      <a:blip r:embed="rId5"/>
                       <a:stretch>
                         <a:fillRect/>
                       </a:stretch>
@@ -2016,12 +1836,12 @@
           <a:graphicData uri="http://schemas.openxmlformats.org/presentationml/2006/ole">
             <mc:AlternateContent xmlns:mc="http://schemas.openxmlformats.org/markup-compatibility/2006">
               <mc:Choice xmlns:v="urn:schemas-microsoft-com:vml" Requires="v">
-                <p:oleObj name="CorelDRAW" r:id="rId12" imgW="3857236" imgH="777027" progId="CorelDraw.Graphic.21">
+                <p:oleObj name="CorelDRAW" r:id="rId6" imgW="3857236" imgH="777027" progId="CorelDraw.Graphic.21">
                   <p:embed/>
                 </p:oleObj>
               </mc:Choice>
               <mc:Fallback>
-                <p:oleObj name="CorelDRAW" r:id="rId12" imgW="3857236" imgH="777027" progId="CorelDraw.Graphic.21">
+                <p:oleObj name="CorelDRAW" r:id="rId6" imgW="3857236" imgH="777027" progId="CorelDraw.Graphic.21">
                   <p:embed/>
                   <p:pic>
                     <p:nvPicPr>
@@ -2030,7 +1850,7 @@
                       <p:nvPr/>
                     </p:nvPicPr>
                     <p:blipFill>
-                      <a:blip r:embed="rId13"/>
+                      <a:blip r:embed="rId7"/>
                       <a:stretch>
                         <a:fillRect/>
                       </a:stretch>
@@ -2051,36 +1871,6 @@
           </a:graphicData>
         </a:graphic>
       </p:graphicFrame>
-      <p:pic>
-        <p:nvPicPr>
-          <p:cNvPr id="27" name="Imagen 26">
-            <a:extLst>
-              <a:ext uri="{FF2B5EF4-FFF2-40B4-BE49-F238E27FC236}">
-                <a16:creationId xmlns:a16="http://schemas.microsoft.com/office/drawing/2014/main" id="{803DF735-4E65-4EFC-9618-7D089AF1CF0C}"/>
-              </a:ext>
-            </a:extLst>
-          </p:cNvPr>
-          <p:cNvPicPr>
-            <a:picLocks noChangeAspect="1"/>
-          </p:cNvPicPr>
-          <p:nvPr userDrawn="1"/>
-        </p:nvPicPr>
-        <p:blipFill>
-          <a:blip r:embed="rId14"/>
-          <a:stretch>
-            <a:fillRect/>
-          </a:stretch>
-        </p:blipFill>
-        <p:spPr>
-          <a:xfrm>
-            <a:off x="8411164" y="5047695"/>
-            <a:ext cx="1839530" cy="567666"/>
-          </a:xfrm>
-          <a:prstGeom prst="rect">
-            <a:avLst/>
-          </a:prstGeom>
-        </p:spPr>
-      </p:pic>
       <p:sp>
         <p:nvSpPr>
           <p:cNvPr id="32" name="Title 1">
@@ -2171,10 +1961,10 @@
           <p:nvPr userDrawn="1"/>
         </p:nvPicPr>
         <p:blipFill>
-          <a:blip r:embed="rId15">
+          <a:blip r:embed="rId8">
             <a:extLst>
               <a:ext uri="{96DAC541-7B7A-43D3-8B79-37D633B846F1}">
-                <asvg:svgBlip xmlns:asvg="http://schemas.microsoft.com/office/drawing/2016/SVG/main" r:embed="rId16"/>
+                <asvg:svgBlip xmlns:asvg="http://schemas.microsoft.com/office/drawing/2016/SVG/main" r:embed="rId9"/>
               </a:ext>
             </a:extLst>
           </a:blip>
@@ -2271,10 +2061,10 @@
           <p:nvPr userDrawn="1"/>
         </p:nvPicPr>
         <p:blipFill>
-          <a:blip r:embed="rId17">
+          <a:blip r:embed="rId10">
             <a:extLst>
               <a:ext uri="{96DAC541-7B7A-43D3-8B79-37D633B846F1}">
-                <asvg:svgBlip xmlns:asvg="http://schemas.microsoft.com/office/drawing/2016/SVG/main" r:embed="rId18"/>
+                <asvg:svgBlip xmlns:asvg="http://schemas.microsoft.com/office/drawing/2016/SVG/main" r:embed="rId11"/>
               </a:ext>
             </a:extLst>
           </a:blip>
@@ -2286,6 +2076,246 @@
           <a:xfrm>
             <a:off x="5501889" y="2377869"/>
             <a:ext cx="1851408" cy="1347955"/>
+          </a:xfrm>
+          <a:prstGeom prst="rect">
+            <a:avLst/>
+          </a:prstGeom>
+        </p:spPr>
+      </p:pic>
+      <p:pic>
+        <p:nvPicPr>
+          <p:cNvPr id="25" name="Imagen 24">
+            <a:extLst>
+              <a:ext uri="{FF2B5EF4-FFF2-40B4-BE49-F238E27FC236}">
+                <a16:creationId xmlns:a16="http://schemas.microsoft.com/office/drawing/2014/main" id="{F4301BCF-CA16-48A4-82B4-09B2177EF65C}"/>
+              </a:ext>
+            </a:extLst>
+          </p:cNvPr>
+          <p:cNvPicPr>
+            <a:picLocks noChangeAspect="1"/>
+          </p:cNvPicPr>
+          <p:nvPr userDrawn="1"/>
+        </p:nvPicPr>
+        <p:blipFill>
+          <a:blip r:embed="rId12"/>
+          <a:stretch>
+            <a:fillRect/>
+          </a:stretch>
+        </p:blipFill>
+        <p:spPr>
+          <a:xfrm>
+            <a:off x="6280496" y="5133072"/>
+            <a:ext cx="2243624" cy="690346"/>
+          </a:xfrm>
+          <a:prstGeom prst="rect">
+            <a:avLst/>
+          </a:prstGeom>
+        </p:spPr>
+      </p:pic>
+      <p:pic>
+        <p:nvPicPr>
+          <p:cNvPr id="29" name="Imagen 28">
+            <a:extLst>
+              <a:ext uri="{FF2B5EF4-FFF2-40B4-BE49-F238E27FC236}">
+                <a16:creationId xmlns:a16="http://schemas.microsoft.com/office/drawing/2014/main" id="{2E9F7435-9BE6-4C07-8918-7F19E12C14F1}"/>
+              </a:ext>
+            </a:extLst>
+          </p:cNvPr>
+          <p:cNvPicPr>
+            <a:picLocks noChangeAspect="1"/>
+          </p:cNvPicPr>
+          <p:nvPr userDrawn="1"/>
+        </p:nvPicPr>
+        <p:blipFill>
+          <a:blip r:embed="rId13"/>
+          <a:stretch>
+            <a:fillRect/>
+          </a:stretch>
+        </p:blipFill>
+        <p:spPr>
+          <a:xfrm>
+            <a:off x="6585173" y="5797267"/>
+            <a:ext cx="1582743" cy="586201"/>
+          </a:xfrm>
+          <a:prstGeom prst="rect">
+            <a:avLst/>
+          </a:prstGeom>
+        </p:spPr>
+      </p:pic>
+      <p:pic>
+        <p:nvPicPr>
+          <p:cNvPr id="30" name="Imagen 29">
+            <a:extLst>
+              <a:ext uri="{FF2B5EF4-FFF2-40B4-BE49-F238E27FC236}">
+                <a16:creationId xmlns:a16="http://schemas.microsoft.com/office/drawing/2014/main" id="{DA09BE5C-792C-483E-A9DA-5952E92E82D7}"/>
+              </a:ext>
+            </a:extLst>
+          </p:cNvPr>
+          <p:cNvPicPr>
+            <a:picLocks noChangeAspect="1"/>
+          </p:cNvPicPr>
+          <p:nvPr userDrawn="1"/>
+        </p:nvPicPr>
+        <p:blipFill>
+          <a:blip r:embed="rId14"/>
+          <a:stretch>
+            <a:fillRect/>
+          </a:stretch>
+        </p:blipFill>
+        <p:spPr>
+          <a:xfrm>
+            <a:off x="1742944" y="5168113"/>
+            <a:ext cx="2015855" cy="620263"/>
+          </a:xfrm>
+          <a:prstGeom prst="rect">
+            <a:avLst/>
+          </a:prstGeom>
+        </p:spPr>
+      </p:pic>
+      <p:pic>
+        <p:nvPicPr>
+          <p:cNvPr id="31" name="Imagen 30">
+            <a:extLst>
+              <a:ext uri="{FF2B5EF4-FFF2-40B4-BE49-F238E27FC236}">
+                <a16:creationId xmlns:a16="http://schemas.microsoft.com/office/drawing/2014/main" id="{7FF0910C-98D5-4F5F-ADA7-555CE29DAE79}"/>
+              </a:ext>
+            </a:extLst>
+          </p:cNvPr>
+          <p:cNvPicPr>
+            <a:picLocks noChangeAspect="1"/>
+          </p:cNvPicPr>
+          <p:nvPr userDrawn="1"/>
+        </p:nvPicPr>
+        <p:blipFill>
+          <a:blip r:embed="rId15"/>
+          <a:stretch>
+            <a:fillRect/>
+          </a:stretch>
+        </p:blipFill>
+        <p:spPr>
+          <a:xfrm>
+            <a:off x="4058691" y="5210611"/>
+            <a:ext cx="2144054" cy="560669"/>
+          </a:xfrm>
+          <a:prstGeom prst="rect">
+            <a:avLst/>
+          </a:prstGeom>
+        </p:spPr>
+      </p:pic>
+      <p:pic>
+        <p:nvPicPr>
+          <p:cNvPr id="36" name="Imagen 35">
+            <a:extLst>
+              <a:ext uri="{FF2B5EF4-FFF2-40B4-BE49-F238E27FC236}">
+                <a16:creationId xmlns:a16="http://schemas.microsoft.com/office/drawing/2014/main" id="{795C973A-6346-45EC-A2D7-54F681E03825}"/>
+              </a:ext>
+            </a:extLst>
+          </p:cNvPr>
+          <p:cNvPicPr>
+            <a:picLocks noChangeAspect="1"/>
+          </p:cNvPicPr>
+          <p:nvPr userDrawn="1"/>
+        </p:nvPicPr>
+        <p:blipFill>
+          <a:blip r:embed="rId16"/>
+          <a:stretch>
+            <a:fillRect/>
+          </a:stretch>
+        </p:blipFill>
+        <p:spPr>
+          <a:xfrm>
+            <a:off x="1946157" y="5911986"/>
+            <a:ext cx="1905154" cy="586201"/>
+          </a:xfrm>
+          <a:prstGeom prst="rect">
+            <a:avLst/>
+          </a:prstGeom>
+        </p:spPr>
+      </p:pic>
+      <p:pic>
+        <p:nvPicPr>
+          <p:cNvPr id="37" name="Imagen 36">
+            <a:extLst>
+              <a:ext uri="{FF2B5EF4-FFF2-40B4-BE49-F238E27FC236}">
+                <a16:creationId xmlns:a16="http://schemas.microsoft.com/office/drawing/2014/main" id="{755D5380-2108-4F62-981A-217765399D78}"/>
+              </a:ext>
+            </a:extLst>
+          </p:cNvPr>
+          <p:cNvPicPr>
+            <a:picLocks noChangeAspect="1"/>
+          </p:cNvPicPr>
+          <p:nvPr userDrawn="1"/>
+        </p:nvPicPr>
+        <p:blipFill>
+          <a:blip r:embed="rId17"/>
+          <a:stretch>
+            <a:fillRect/>
+          </a:stretch>
+        </p:blipFill>
+        <p:spPr>
+          <a:xfrm>
+            <a:off x="4305306" y="6000501"/>
+            <a:ext cx="1800350" cy="409170"/>
+          </a:xfrm>
+          <a:prstGeom prst="rect">
+            <a:avLst/>
+          </a:prstGeom>
+        </p:spPr>
+      </p:pic>
+      <p:pic>
+        <p:nvPicPr>
+          <p:cNvPr id="39" name="Imagen 38">
+            <a:extLst>
+              <a:ext uri="{FF2B5EF4-FFF2-40B4-BE49-F238E27FC236}">
+                <a16:creationId xmlns:a16="http://schemas.microsoft.com/office/drawing/2014/main" id="{55B5FB14-E7B2-4C31-91F0-81501EE6377B}"/>
+              </a:ext>
+            </a:extLst>
+          </p:cNvPr>
+          <p:cNvPicPr>
+            <a:picLocks noChangeAspect="1"/>
+          </p:cNvPicPr>
+          <p:nvPr userDrawn="1"/>
+        </p:nvPicPr>
+        <p:blipFill>
+          <a:blip r:embed="rId18"/>
+          <a:stretch>
+            <a:fillRect/>
+          </a:stretch>
+        </p:blipFill>
+        <p:spPr>
+          <a:xfrm>
+            <a:off x="8653606" y="5054665"/>
+            <a:ext cx="1839530" cy="567666"/>
+          </a:xfrm>
+          <a:prstGeom prst="rect">
+            <a:avLst/>
+          </a:prstGeom>
+        </p:spPr>
+      </p:pic>
+      <p:pic>
+        <p:nvPicPr>
+          <p:cNvPr id="40" name="Imagen 39">
+            <a:extLst>
+              <a:ext uri="{FF2B5EF4-FFF2-40B4-BE49-F238E27FC236}">
+                <a16:creationId xmlns:a16="http://schemas.microsoft.com/office/drawing/2014/main" id="{2FC87E8B-447D-4B42-9EE6-C2AD7B315DBE}"/>
+              </a:ext>
+            </a:extLst>
+          </p:cNvPr>
+          <p:cNvPicPr>
+            <a:picLocks noChangeAspect="1"/>
+          </p:cNvPicPr>
+          <p:nvPr userDrawn="1"/>
+        </p:nvPicPr>
+        <p:blipFill>
+          <a:blip r:embed="rId19"/>
+          <a:stretch>
+            <a:fillRect/>
+          </a:stretch>
+        </p:blipFill>
+        <p:spPr>
+          <a:xfrm>
+            <a:off x="8647433" y="5788376"/>
+            <a:ext cx="1839529" cy="634175"/>
           </a:xfrm>
           <a:prstGeom prst="rect">
             <a:avLst/>
@@ -25251,10 +25281,10 @@
       </p:grpSpPr>
       <p:sp>
         <p:nvSpPr>
-          <p:cNvPr id="8" name="Rectángulo 7">
+          <p:cNvPr id="18" name="Rectángulo 17">
             <a:extLst>
               <a:ext uri="{FF2B5EF4-FFF2-40B4-BE49-F238E27FC236}">
-                <a16:creationId xmlns:a16="http://schemas.microsoft.com/office/drawing/2014/main" id="{8E040693-2661-4727-9EA2-5950B412CA24}"/>
+                <a16:creationId xmlns:a16="http://schemas.microsoft.com/office/drawing/2014/main" id="{0702C490-7E33-4B5F-9C23-CE451A773B71}"/>
               </a:ext>
             </a:extLst>
           </p:cNvPr>
@@ -25330,10 +25360,10 @@
       </p:sp>
       <p:graphicFrame>
         <p:nvGraphicFramePr>
-          <p:cNvPr id="7" name="Objeto 6">
+          <p:cNvPr id="22" name="Objeto 21">
             <a:extLst>
               <a:ext uri="{FF2B5EF4-FFF2-40B4-BE49-F238E27FC236}">
-                <a16:creationId xmlns:a16="http://schemas.microsoft.com/office/drawing/2014/main" id="{32E413D6-B6AC-40F0-85EC-A2927B20E6EB}"/>
+                <a16:creationId xmlns:a16="http://schemas.microsoft.com/office/drawing/2014/main" id="{A0F9EFCA-8265-45E7-A4C9-5308963B9AA8}"/>
               </a:ext>
             </a:extLst>
           </p:cNvPr>
@@ -25343,7 +25373,7 @@
           <p:nvPr userDrawn="1">
             <p:extLst>
               <p:ext uri="{D42A27DB-BD31-4B8C-83A1-F6EECF244321}">
-                <p14:modId xmlns:p14="http://schemas.microsoft.com/office/powerpoint/2010/main" val="3812561144"/>
+                <p14:modId xmlns:p14="http://schemas.microsoft.com/office/powerpoint/2010/main" val="3758825584"/>
               </p:ext>
             </p:extLst>
           </p:nvPr>
@@ -25399,10 +25429,10 @@
       </p:graphicFrame>
       <p:pic>
         <p:nvPicPr>
-          <p:cNvPr id="3" name="Imagen 2">
+          <p:cNvPr id="24" name="Imagen 23">
             <a:extLst>
               <a:ext uri="{FF2B5EF4-FFF2-40B4-BE49-F238E27FC236}">
-                <a16:creationId xmlns:a16="http://schemas.microsoft.com/office/drawing/2014/main" id="{5A11A0A1-8810-4701-A8A9-861238804999}"/>
+                <a16:creationId xmlns:a16="http://schemas.microsoft.com/office/drawing/2014/main" id="{CBF5110E-A407-4B7F-81F1-DAEFDC659FD9}"/>
               </a:ext>
             </a:extLst>
           </p:cNvPr>
@@ -25429,10 +25459,10 @@
       </p:pic>
       <p:graphicFrame>
         <p:nvGraphicFramePr>
-          <p:cNvPr id="28" name="Objeto 27">
+          <p:cNvPr id="25" name="Objeto 24">
             <a:extLst>
               <a:ext uri="{FF2B5EF4-FFF2-40B4-BE49-F238E27FC236}">
-                <a16:creationId xmlns:a16="http://schemas.microsoft.com/office/drawing/2014/main" id="{5DEB6C23-8509-4297-A490-EE57516A61DD}"/>
+                <a16:creationId xmlns:a16="http://schemas.microsoft.com/office/drawing/2014/main" id="{E3CDF184-B7B2-42FC-A4A6-1D5A4FACD470}"/>
               </a:ext>
             </a:extLst>
           </p:cNvPr>
@@ -25442,7 +25472,7 @@
           <p:nvPr userDrawn="1">
             <p:extLst>
               <p:ext uri="{D42A27DB-BD31-4B8C-83A1-F6EECF244321}">
-                <p14:modId xmlns:p14="http://schemas.microsoft.com/office/powerpoint/2010/main" val="2545392785"/>
+                <p14:modId xmlns:p14="http://schemas.microsoft.com/office/powerpoint/2010/main" val="2734261753"/>
               </p:ext>
             </p:extLst>
           </p:nvPr>
@@ -25464,10 +25494,10 @@
                   <p:embed/>
                   <p:pic>
                     <p:nvPicPr>
-                      <p:cNvPr id="53" name="Objeto 52">
+                      <p:cNvPr id="28" name="Objeto 27">
                         <a:extLst>
                           <a:ext uri="{FF2B5EF4-FFF2-40B4-BE49-F238E27FC236}">
-                            <a16:creationId xmlns:a16="http://schemas.microsoft.com/office/drawing/2014/main" id="{D375AAF1-D2A6-4A0C-ACA4-DA571F5928D6}"/>
+                            <a16:creationId xmlns:a16="http://schemas.microsoft.com/office/drawing/2014/main" id="{5DEB6C23-8509-4297-A490-EE57516A61DD}"/>
                           </a:ext>
                         </a:extLst>
                       </p:cNvPr>
@@ -25498,10 +25528,10 @@
       </p:graphicFrame>
       <p:graphicFrame>
         <p:nvGraphicFramePr>
-          <p:cNvPr id="30" name="Objeto 29">
+          <p:cNvPr id="26" name="Objeto 25">
             <a:extLst>
               <a:ext uri="{FF2B5EF4-FFF2-40B4-BE49-F238E27FC236}">
-                <a16:creationId xmlns:a16="http://schemas.microsoft.com/office/drawing/2014/main" id="{A85AC8ED-2B29-42FA-9EBD-14E9BAB6053E}"/>
+                <a16:creationId xmlns:a16="http://schemas.microsoft.com/office/drawing/2014/main" id="{4552FDBC-6377-4022-9CFA-AC80C7F0A893}"/>
               </a:ext>
             </a:extLst>
           </p:cNvPr>
@@ -25511,7 +25541,7 @@
           <p:nvPr userDrawn="1">
             <p:extLst>
               <p:ext uri="{D42A27DB-BD31-4B8C-83A1-F6EECF244321}">
-                <p14:modId xmlns:p14="http://schemas.microsoft.com/office/powerpoint/2010/main" val="1996726143"/>
+                <p14:modId xmlns:p14="http://schemas.microsoft.com/office/powerpoint/2010/main" val="103777093"/>
               </p:ext>
             </p:extLst>
           </p:nvPr>
@@ -25533,10 +25563,10 @@
                   <p:embed/>
                   <p:pic>
                     <p:nvPicPr>
-                      <p:cNvPr id="52" name="Objeto 51">
+                      <p:cNvPr id="30" name="Objeto 29">
                         <a:extLst>
                           <a:ext uri="{FF2B5EF4-FFF2-40B4-BE49-F238E27FC236}">
-                            <a16:creationId xmlns:a16="http://schemas.microsoft.com/office/drawing/2014/main" id="{80529A44-97F2-4CF3-BF21-17DEA50D54E5}"/>
+                            <a16:creationId xmlns:a16="http://schemas.microsoft.com/office/drawing/2014/main" id="{A85AC8ED-2B29-42FA-9EBD-14E9BAB6053E}"/>
                           </a:ext>
                         </a:extLst>
                       </p:cNvPr>
@@ -25567,10 +25597,10 @@
       </p:graphicFrame>
       <p:pic>
         <p:nvPicPr>
-          <p:cNvPr id="18" name="Imagen 17">
+          <p:cNvPr id="27" name="Imagen 26">
             <a:extLst>
               <a:ext uri="{FF2B5EF4-FFF2-40B4-BE49-F238E27FC236}">
-                <a16:creationId xmlns:a16="http://schemas.microsoft.com/office/drawing/2014/main" id="{9B6F9D78-C58E-4D1B-A392-3D34DAA2B8B8}"/>
+                <a16:creationId xmlns:a16="http://schemas.microsoft.com/office/drawing/2014/main" id="{C33CC9EF-4CF2-463F-9F99-916FBF9FFCEE}"/>
               </a:ext>
             </a:extLst>
           </p:cNvPr>
@@ -25587,7 +25617,7 @@
         </p:blipFill>
         <p:spPr>
           <a:xfrm>
-            <a:off x="501323" y="5106327"/>
+            <a:off x="535251" y="4091351"/>
             <a:ext cx="3299139" cy="1015120"/>
           </a:xfrm>
           <a:prstGeom prst="rect">
@@ -25597,10 +25627,10 @@
       </p:pic>
       <p:pic>
         <p:nvPicPr>
-          <p:cNvPr id="22" name="Imagen 21">
+          <p:cNvPr id="29" name="Imagen 28">
             <a:extLst>
               <a:ext uri="{FF2B5EF4-FFF2-40B4-BE49-F238E27FC236}">
-                <a16:creationId xmlns:a16="http://schemas.microsoft.com/office/drawing/2014/main" id="{EB90AF3C-936D-4D44-BFFA-A635C3D9EC15}"/>
+                <a16:creationId xmlns:a16="http://schemas.microsoft.com/office/drawing/2014/main" id="{4B4F5B27-9726-451E-B7BB-800F14D2B9FC}"/>
               </a:ext>
             </a:extLst>
           </p:cNvPr>
@@ -25617,8 +25647,8 @@
         </p:blipFill>
         <p:spPr>
           <a:xfrm>
-            <a:off x="4795788" y="2889461"/>
-            <a:ext cx="2964216" cy="912066"/>
+            <a:off x="836952" y="5359947"/>
+            <a:ext cx="3152727" cy="824437"/>
           </a:xfrm>
           <a:prstGeom prst="rect">
             <a:avLst/>
@@ -25627,10 +25657,10 @@
       </p:pic>
       <p:pic>
         <p:nvPicPr>
-          <p:cNvPr id="24" name="Imagen 23">
+          <p:cNvPr id="31" name="Imagen 30">
             <a:extLst>
               <a:ext uri="{FF2B5EF4-FFF2-40B4-BE49-F238E27FC236}">
-                <a16:creationId xmlns:a16="http://schemas.microsoft.com/office/drawing/2014/main" id="{9A581694-116D-4273-8957-E6C28A72B8B6}"/>
+                <a16:creationId xmlns:a16="http://schemas.microsoft.com/office/drawing/2014/main" id="{FD394BD1-1E4F-46EB-B635-159A8E07A623}"/>
               </a:ext>
             </a:extLst>
           </p:cNvPr>
@@ -25647,8 +25677,8 @@
         </p:blipFill>
         <p:spPr>
           <a:xfrm>
-            <a:off x="4770299" y="4103833"/>
-            <a:ext cx="3152727" cy="824437"/>
+            <a:off x="8701034" y="3081791"/>
+            <a:ext cx="2801436" cy="861980"/>
           </a:xfrm>
           <a:prstGeom prst="rect">
             <a:avLst/>
@@ -25657,10 +25687,10 @@
       </p:pic>
       <p:pic>
         <p:nvPicPr>
-          <p:cNvPr id="26" name="Imagen 25">
+          <p:cNvPr id="32" name="Imagen 31">
             <a:extLst>
               <a:ext uri="{FF2B5EF4-FFF2-40B4-BE49-F238E27FC236}">
-                <a16:creationId xmlns:a16="http://schemas.microsoft.com/office/drawing/2014/main" id="{5E015451-231A-4C28-BCF7-34141037A2EC}"/>
+                <a16:creationId xmlns:a16="http://schemas.microsoft.com/office/drawing/2014/main" id="{7C7BCB24-8CD6-4EA4-829D-07268B4E059E}"/>
               </a:ext>
             </a:extLst>
           </p:cNvPr>
@@ -25677,8 +25707,8 @@
         </p:blipFill>
         <p:spPr>
           <a:xfrm>
-            <a:off x="8656795" y="4066290"/>
-            <a:ext cx="2801436" cy="861980"/>
+            <a:off x="9075344" y="3970682"/>
+            <a:ext cx="2327347" cy="861980"/>
           </a:xfrm>
           <a:prstGeom prst="rect">
             <a:avLst/>
@@ -25687,10 +25717,10 @@
       </p:pic>
       <p:pic>
         <p:nvPicPr>
-          <p:cNvPr id="31" name="Imagen 30">
+          <p:cNvPr id="33" name="Imagen 32">
             <a:extLst>
               <a:ext uri="{FF2B5EF4-FFF2-40B4-BE49-F238E27FC236}">
-                <a16:creationId xmlns:a16="http://schemas.microsoft.com/office/drawing/2014/main" id="{C94DB5F8-B2BA-4BD7-B58D-7CB2A9C9CF1D}"/>
+                <a16:creationId xmlns:a16="http://schemas.microsoft.com/office/drawing/2014/main" id="{4A36D607-1F39-41D1-9091-3DEB5F56FF73}"/>
               </a:ext>
             </a:extLst>
           </p:cNvPr>
@@ -25707,8 +25737,8 @@
         </p:blipFill>
         <p:spPr>
           <a:xfrm>
-            <a:off x="8892861" y="5034166"/>
-            <a:ext cx="2327347" cy="861980"/>
+            <a:off x="5003367" y="4755776"/>
+            <a:ext cx="2647327" cy="601665"/>
           </a:xfrm>
           <a:prstGeom prst="rect">
             <a:avLst/>
@@ -25717,10 +25747,10 @@
       </p:pic>
       <p:pic>
         <p:nvPicPr>
-          <p:cNvPr id="33" name="Imagen 32">
+          <p:cNvPr id="34" name="Imagen 33">
             <a:extLst>
               <a:ext uri="{FF2B5EF4-FFF2-40B4-BE49-F238E27FC236}">
-                <a16:creationId xmlns:a16="http://schemas.microsoft.com/office/drawing/2014/main" id="{13444165-BAE5-4873-BF7F-7492191AA9F3}"/>
+                <a16:creationId xmlns:a16="http://schemas.microsoft.com/office/drawing/2014/main" id="{5A1CE5AE-BB18-41E7-BD6E-8E26B2774BAF}"/>
               </a:ext>
             </a:extLst>
           </p:cNvPr>
@@ -25737,8 +25767,8 @@
         </p:blipFill>
         <p:spPr>
           <a:xfrm>
-            <a:off x="5022998" y="5313055"/>
-            <a:ext cx="2647327" cy="601665"/>
+            <a:off x="1025219" y="3037343"/>
+            <a:ext cx="2594132" cy="800532"/>
           </a:xfrm>
           <a:prstGeom prst="rect">
             <a:avLst/>
@@ -25747,10 +25777,10 @@
       </p:pic>
       <p:pic>
         <p:nvPicPr>
-          <p:cNvPr id="27" name="Imagen 26">
+          <p:cNvPr id="35" name="Imagen 34">
             <a:extLst>
               <a:ext uri="{FF2B5EF4-FFF2-40B4-BE49-F238E27FC236}">
-                <a16:creationId xmlns:a16="http://schemas.microsoft.com/office/drawing/2014/main" id="{C947B99A-CDFB-4780-9AFD-0376495A6E46}"/>
+                <a16:creationId xmlns:a16="http://schemas.microsoft.com/office/drawing/2014/main" id="{3116621C-D5ED-4713-ACEA-1F823B92EEFB}"/>
               </a:ext>
             </a:extLst>
           </p:cNvPr>
@@ -25767,8 +25797,38 @@
         </p:blipFill>
         <p:spPr>
           <a:xfrm>
-            <a:off x="941074" y="4020721"/>
-            <a:ext cx="2594132" cy="800532"/>
+            <a:off x="9010948" y="5213153"/>
+            <a:ext cx="2391743" cy="824551"/>
+          </a:xfrm>
+          <a:prstGeom prst="rect">
+            <a:avLst/>
+          </a:prstGeom>
+        </p:spPr>
+      </p:pic>
+      <p:pic>
+        <p:nvPicPr>
+          <p:cNvPr id="36" name="Imagen 35">
+            <a:extLst>
+              <a:ext uri="{FF2B5EF4-FFF2-40B4-BE49-F238E27FC236}">
+                <a16:creationId xmlns:a16="http://schemas.microsoft.com/office/drawing/2014/main" id="{4EC3AB72-C887-4E3D-BBF5-6FE60E2DAF93}"/>
+              </a:ext>
+            </a:extLst>
+          </p:cNvPr>
+          <p:cNvPicPr>
+            <a:picLocks noChangeAspect="1"/>
+          </p:cNvPicPr>
+          <p:nvPr userDrawn="1"/>
+        </p:nvPicPr>
+        <p:blipFill>
+          <a:blip r:embed="rId16"/>
+          <a:stretch>
+            <a:fillRect/>
+          </a:stretch>
+        </p:blipFill>
+        <p:spPr>
+          <a:xfrm>
+            <a:off x="4831769" y="3336406"/>
+            <a:ext cx="2964216" cy="912066"/>
           </a:xfrm>
           <a:prstGeom prst="rect">
             <a:avLst/>
@@ -25828,7 +25888,7 @@
                                       <p:cBhvr>
                                         <p:cTn id="6" dur="20000" fill="hold"/>
                                         <p:tgtEl>
-                                          <p:spTgt spid="7"/>
+                                          <p:spTgt spid="22"/>
                                         </p:tgtEl>
                                         <p:attrNameLst>
                                           <p:attrName>r</p:attrName>
@@ -45143,6 +45203,68 @@
 </file>
 
 <file path=customXml/item1.xml><?xml version="1.0" encoding="utf-8"?>
+<p:properties xmlns:p="http://schemas.microsoft.com/office/2006/metadata/properties" xmlns:xsi="http://www.w3.org/2001/XMLSchema-instance" xmlns:pc="http://schemas.microsoft.com/office/infopath/2007/PartnerControls">
+  <documentManagement>
+    <_ip_UnifiedCompliancePolicyUIAction xmlns="http://schemas.microsoft.com/sharepoint/v3" xsi:nil="true"/>
+    <_ip_UnifiedCompliancePolicyProperties xmlns="http://schemas.microsoft.com/sharepoint/v3" xsi:nil="true"/>
+    <MediaServiceKeyPoints xmlns="9d1f81f6-e953-47ea-988e-33ed651c58e6" xsi:nil="true"/>
+    <External_x0020_Speaker xmlns="5a4b3278-325d-441a-b38f-6f1926bc734e" xsi:nil="true"/>
+    <j478fa01fff54a9d85f93cc1f742caa8 xmlns="5a4b3278-325d-441a-b38f-6f1926bc734e">
+      <Terms xmlns="http://schemas.microsoft.com/office/infopath/2007/PartnerControls"/>
+    </j478fa01fff54a9d85f93cc1f742caa8>
+    <Event_x0020_End_x0020_Date xmlns="5a4b3278-325d-441a-b38f-6f1926bc734e" xsi:nil="true"/>
+    <LikesCount xmlns="http://schemas.microsoft.com/sharepoint/v3" xsi:nil="true"/>
+    <MS_x0020_Speaker xmlns="5a4b3278-325d-441a-b38f-6f1926bc734e">
+      <UserInfo>
+        <DisplayName/>
+        <AccountId xsi:nil="true"/>
+        <AccountType/>
+      </UserInfo>
+    </MS_x0020_Speaker>
+    <o33121adfc264c7dbcad13be7db3ea4b xmlns="5a4b3278-325d-441a-b38f-6f1926bc734e">
+      <Terms xmlns="http://schemas.microsoft.com/office/infopath/2007/PartnerControls"/>
+    </o33121adfc264c7dbcad13be7db3ea4b>
+    <Session_x0020_Code xmlns="5a4b3278-325d-441a-b38f-6f1926bc734e" xsi:nil="true"/>
+    <Presentation_x0020_Date xmlns="5a4b3278-325d-441a-b38f-6f1926bc734e" xsi:nil="true"/>
+    <ba5aa7e3a41a404e868a451481761228 xmlns="5a4b3278-325d-441a-b38f-6f1926bc734e">
+      <Terms xmlns="http://schemas.microsoft.com/office/infopath/2007/PartnerControls"/>
+    </ba5aa7e3a41a404e868a451481761228>
+    <n26c0b7259a14f82a9880173edc4cb73 xmlns="5a4b3278-325d-441a-b38f-6f1926bc734e">
+      <Terms xmlns="http://schemas.microsoft.com/office/infopath/2007/PartnerControls"/>
+    </n26c0b7259a14f82a9880173edc4cb73>
+    <c4b02e5b2c48420dbed84c0f2f02e9a3 xmlns="5a4b3278-325d-441a-b38f-6f1926bc734e">
+      <Terms xmlns="http://schemas.microsoft.com/office/infopath/2007/PartnerControls"/>
+    </c4b02e5b2c48420dbed84c0f2f02e9a3>
+    <Event_x0020_Start_x0020_Date xmlns="5a4b3278-325d-441a-b38f-6f1926bc734e" xsi:nil="true"/>
+    <MS_x0020_Content_x0020_Owner xmlns="5a4b3278-325d-441a-b38f-6f1926bc734e">
+      <UserInfo>
+        <DisplayName/>
+        <AccountId xsi:nil="true"/>
+        <AccountType/>
+      </UserInfo>
+    </MS_x0020_Content_x0020_Owner>
+    <TaxKeywordTaxHTField xmlns="230e9df3-be65-4c73-a93b-d1236ebd677e">
+      <Terms xmlns="http://schemas.microsoft.com/office/infopath/2007/PartnerControls">
+        <TermInfo xmlns="http://schemas.microsoft.com/office/infopath/2007/PartnerControls">
+          <TermName xmlns="http://schemas.microsoft.com/office/infopath/2007/PartnerControls">Microsoft Ignite The Tour FY20</TermName>
+          <TermId xmlns="http://schemas.microsoft.com/office/infopath/2007/PartnerControls">92cd8354-19e0-47e3-879f-674e86e0d77f</TermId>
+        </TermInfo>
+      </Terms>
+    </TaxKeywordTaxHTField>
+    <j129f3114929433a812312450a84994c xmlns="5a4b3278-325d-441a-b38f-6f1926bc734e">
+      <Terms xmlns="http://schemas.microsoft.com/office/infopath/2007/PartnerControls"/>
+    </j129f3114929433a812312450a84994c>
+    <TaxCatchAll xmlns="230e9df3-be65-4c73-a93b-d1236ebd677e">
+      <Value>251</Value>
+    </TaxCatchAll>
+    <e1750f71052543bd8c4d7217e9f56da0 xmlns="5a4b3278-325d-441a-b38f-6f1926bc734e">
+      <Terms xmlns="http://schemas.microsoft.com/office/infopath/2007/PartnerControls"/>
+    </e1750f71052543bd8c4d7217e9f56da0>
+  </documentManagement>
+</p:properties>
+</file>
+
+<file path=customXml/item2.xml><?xml version="1.0" encoding="utf-8"?>
 <ct:contentTypeSchema xmlns:ct="http://schemas.microsoft.com/office/2006/metadata/contentType" xmlns:ma="http://schemas.microsoft.com/office/2006/metadata/properties/metaAttributes" ct:_="" ma:_="" ma:contentTypeName="PresentationsDoc" ma:contentTypeID="0x010100606EF5350B4AC34299E527B9221D6B5E001A2DF7EB5935C14F830206357EC2322C" ma:contentTypeVersion="34" ma:contentTypeDescription="" ma:contentTypeScope="" ma:versionID="b48d6a27735be7714bdd88c81c28b068">
   <xsd:schema xmlns:xsd="http://www.w3.org/2001/XMLSchema" xmlns:xs="http://www.w3.org/2001/XMLSchema" xmlns:p="http://schemas.microsoft.com/office/2006/metadata/properties" xmlns:ns1="http://schemas.microsoft.com/sharepoint/v3" xmlns:ns2="5a4b3278-325d-441a-b38f-6f1926bc734e" xmlns:ns3="230e9df3-be65-4c73-a93b-d1236ebd677e" xmlns:ns5="9d1f81f6-e953-47ea-988e-33ed651c58e6" targetNamespace="http://schemas.microsoft.com/office/2006/metadata/properties" ma:root="true" ma:fieldsID="61aa76b7b235bae3242d4a7e9080af88" ns1:_="" ns2:_="" ns3:_="" ns5:_="">
     <xsd:import namespace="http://schemas.microsoft.com/sharepoint/v3"/>
@@ -45563,68 +45685,6 @@
 </ct:contentTypeSchema>
 </file>
 
-<file path=customXml/item2.xml><?xml version="1.0" encoding="utf-8"?>
-<p:properties xmlns:p="http://schemas.microsoft.com/office/2006/metadata/properties" xmlns:xsi="http://www.w3.org/2001/XMLSchema-instance" xmlns:pc="http://schemas.microsoft.com/office/infopath/2007/PartnerControls">
-  <documentManagement>
-    <_ip_UnifiedCompliancePolicyUIAction xmlns="http://schemas.microsoft.com/sharepoint/v3" xsi:nil="true"/>
-    <_ip_UnifiedCompliancePolicyProperties xmlns="http://schemas.microsoft.com/sharepoint/v3" xsi:nil="true"/>
-    <MediaServiceKeyPoints xmlns="9d1f81f6-e953-47ea-988e-33ed651c58e6" xsi:nil="true"/>
-    <External_x0020_Speaker xmlns="5a4b3278-325d-441a-b38f-6f1926bc734e" xsi:nil="true"/>
-    <j478fa01fff54a9d85f93cc1f742caa8 xmlns="5a4b3278-325d-441a-b38f-6f1926bc734e">
-      <Terms xmlns="http://schemas.microsoft.com/office/infopath/2007/PartnerControls"/>
-    </j478fa01fff54a9d85f93cc1f742caa8>
-    <Event_x0020_End_x0020_Date xmlns="5a4b3278-325d-441a-b38f-6f1926bc734e" xsi:nil="true"/>
-    <LikesCount xmlns="http://schemas.microsoft.com/sharepoint/v3" xsi:nil="true"/>
-    <MS_x0020_Speaker xmlns="5a4b3278-325d-441a-b38f-6f1926bc734e">
-      <UserInfo>
-        <DisplayName/>
-        <AccountId xsi:nil="true"/>
-        <AccountType/>
-      </UserInfo>
-    </MS_x0020_Speaker>
-    <o33121adfc264c7dbcad13be7db3ea4b xmlns="5a4b3278-325d-441a-b38f-6f1926bc734e">
-      <Terms xmlns="http://schemas.microsoft.com/office/infopath/2007/PartnerControls"/>
-    </o33121adfc264c7dbcad13be7db3ea4b>
-    <Session_x0020_Code xmlns="5a4b3278-325d-441a-b38f-6f1926bc734e" xsi:nil="true"/>
-    <Presentation_x0020_Date xmlns="5a4b3278-325d-441a-b38f-6f1926bc734e" xsi:nil="true"/>
-    <ba5aa7e3a41a404e868a451481761228 xmlns="5a4b3278-325d-441a-b38f-6f1926bc734e">
-      <Terms xmlns="http://schemas.microsoft.com/office/infopath/2007/PartnerControls"/>
-    </ba5aa7e3a41a404e868a451481761228>
-    <n26c0b7259a14f82a9880173edc4cb73 xmlns="5a4b3278-325d-441a-b38f-6f1926bc734e">
-      <Terms xmlns="http://schemas.microsoft.com/office/infopath/2007/PartnerControls"/>
-    </n26c0b7259a14f82a9880173edc4cb73>
-    <c4b02e5b2c48420dbed84c0f2f02e9a3 xmlns="5a4b3278-325d-441a-b38f-6f1926bc734e">
-      <Terms xmlns="http://schemas.microsoft.com/office/infopath/2007/PartnerControls"/>
-    </c4b02e5b2c48420dbed84c0f2f02e9a3>
-    <Event_x0020_Start_x0020_Date xmlns="5a4b3278-325d-441a-b38f-6f1926bc734e" xsi:nil="true"/>
-    <MS_x0020_Content_x0020_Owner xmlns="5a4b3278-325d-441a-b38f-6f1926bc734e">
-      <UserInfo>
-        <DisplayName/>
-        <AccountId xsi:nil="true"/>
-        <AccountType/>
-      </UserInfo>
-    </MS_x0020_Content_x0020_Owner>
-    <TaxKeywordTaxHTField xmlns="230e9df3-be65-4c73-a93b-d1236ebd677e">
-      <Terms xmlns="http://schemas.microsoft.com/office/infopath/2007/PartnerControls">
-        <TermInfo xmlns="http://schemas.microsoft.com/office/infopath/2007/PartnerControls">
-          <TermName xmlns="http://schemas.microsoft.com/office/infopath/2007/PartnerControls">Microsoft Ignite The Tour FY20</TermName>
-          <TermId xmlns="http://schemas.microsoft.com/office/infopath/2007/PartnerControls">92cd8354-19e0-47e3-879f-674e86e0d77f</TermId>
-        </TermInfo>
-      </Terms>
-    </TaxKeywordTaxHTField>
-    <j129f3114929433a812312450a84994c xmlns="5a4b3278-325d-441a-b38f-6f1926bc734e">
-      <Terms xmlns="http://schemas.microsoft.com/office/infopath/2007/PartnerControls"/>
-    </j129f3114929433a812312450a84994c>
-    <TaxCatchAll xmlns="230e9df3-be65-4c73-a93b-d1236ebd677e">
-      <Value>251</Value>
-    </TaxCatchAll>
-    <e1750f71052543bd8c4d7217e9f56da0 xmlns="5a4b3278-325d-441a-b38f-6f1926bc734e">
-      <Terms xmlns="http://schemas.microsoft.com/office/infopath/2007/PartnerControls"/>
-    </e1750f71052543bd8c4d7217e9f56da0>
-  </documentManagement>
-</p:properties>
-</file>
-
 <file path=customXml/item3.xml><?xml version="1.0" encoding="utf-8"?>
 <?mso-contentType ?>
 <FormTemplates xmlns="http://schemas.microsoft.com/sharepoint/v3/contenttype/forms">
@@ -45635,6 +45695,27 @@
 </file>
 
 <file path=customXml/itemProps1.xml><?xml version="1.0" encoding="utf-8"?>
+<ds:datastoreItem xmlns:ds="http://schemas.openxmlformats.org/officeDocument/2006/customXml" ds:itemID="{F990F116-B58F-4255-B05B-DA3808E0E5C6}">
+  <ds:schemaRefs>
+    <ds:schemaRef ds:uri="12239fb0-26c0-4a37-b790-6c81fba9d0fc"/>
+    <ds:schemaRef ds:uri="http://schemas.openxmlformats.org/package/2006/metadata/core-properties"/>
+    <ds:schemaRef ds:uri="http://www.w3.org/XML/1998/namespace"/>
+    <ds:schemaRef ds:uri="16dc66bd-df5a-4495-a5c9-5e296f49988a"/>
+    <ds:schemaRef ds:uri="http://schemas.microsoft.com/sharepoint/v3"/>
+    <ds:schemaRef ds:uri="http://purl.org/dc/terms/"/>
+    <ds:schemaRef ds:uri="http://purl.org/dc/dcmitype/"/>
+    <ds:schemaRef ds:uri="http://schemas.microsoft.com/office/2006/metadata/properties"/>
+    <ds:schemaRef ds:uri="http://schemas.microsoft.com/office/2006/documentManagement/types"/>
+    <ds:schemaRef ds:uri="http://schemas.microsoft.com/office/infopath/2007/PartnerControls"/>
+    <ds:schemaRef ds:uri="http://purl.org/dc/elements/1.1/"/>
+    <ds:schemaRef ds:uri="9d1f81f6-e953-47ea-988e-33ed651c58e6"/>
+    <ds:schemaRef ds:uri="5a4b3278-325d-441a-b38f-6f1926bc734e"/>
+    <ds:schemaRef ds:uri="230e9df3-be65-4c73-a93b-d1236ebd677e"/>
+  </ds:schemaRefs>
+</ds:datastoreItem>
+</file>
+
+<file path=customXml/itemProps2.xml><?xml version="1.0" encoding="utf-8"?>
 <ds:datastoreItem xmlns:ds="http://schemas.openxmlformats.org/officeDocument/2006/customXml" ds:itemID="{625FD152-D4B9-485B-9213-BB78FF8ABCB4}">
   <ds:schemaRefs>
     <ds:schemaRef ds:uri="http://schemas.microsoft.com/office/2006/metadata/contentType"/>
@@ -45655,27 +45736,6 @@
 </ds:datastoreItem>
 </file>
 
-<file path=customXml/itemProps2.xml><?xml version="1.0" encoding="utf-8"?>
-<ds:datastoreItem xmlns:ds="http://schemas.openxmlformats.org/officeDocument/2006/customXml" ds:itemID="{F990F116-B58F-4255-B05B-DA3808E0E5C6}">
-  <ds:schemaRefs>
-    <ds:schemaRef ds:uri="12239fb0-26c0-4a37-b790-6c81fba9d0fc"/>
-    <ds:schemaRef ds:uri="http://schemas.openxmlformats.org/package/2006/metadata/core-properties"/>
-    <ds:schemaRef ds:uri="http://www.w3.org/XML/1998/namespace"/>
-    <ds:schemaRef ds:uri="16dc66bd-df5a-4495-a5c9-5e296f49988a"/>
-    <ds:schemaRef ds:uri="http://schemas.microsoft.com/sharepoint/v3"/>
-    <ds:schemaRef ds:uri="http://purl.org/dc/terms/"/>
-    <ds:schemaRef ds:uri="http://purl.org/dc/dcmitype/"/>
-    <ds:schemaRef ds:uri="http://schemas.microsoft.com/office/2006/metadata/properties"/>
-    <ds:schemaRef ds:uri="http://schemas.microsoft.com/office/2006/documentManagement/types"/>
-    <ds:schemaRef ds:uri="http://schemas.microsoft.com/office/infopath/2007/PartnerControls"/>
-    <ds:schemaRef ds:uri="http://purl.org/dc/elements/1.1/"/>
-    <ds:schemaRef ds:uri="9d1f81f6-e953-47ea-988e-33ed651c58e6"/>
-    <ds:schemaRef ds:uri="5a4b3278-325d-441a-b38f-6f1926bc734e"/>
-    <ds:schemaRef ds:uri="230e9df3-be65-4c73-a93b-d1236ebd677e"/>
-  </ds:schemaRefs>
-</ds:datastoreItem>
-</file>
-
 <file path=customXml/itemProps3.xml><?xml version="1.0" encoding="utf-8"?>
 <ds:datastoreItem xmlns:ds="http://schemas.openxmlformats.org/officeDocument/2006/customXml" ds:itemID="{758FDAC0-319D-4A54-8D8E-1D42CB1F8004}">
   <ds:schemaRefs>
